--- a/Lab2/WindFarmArchitecture-36FB8F6A.pptx
+++ b/Lab2/WindFarmArchitecture-36FB8F6A.pptx
@@ -6,6 +6,7 @@
   </p:sldMasterIdLst>
   <p:sldIdLst>
     <p:sldId id="256" r:id="rId5"/>
+    <p:sldId id="257" r:id="rId6"/>
   </p:sldIdLst>
   <p:sldSz cx="12192000" cy="6858000"/>
   <p:notesSz cx="6858000" cy="9144000"/>
@@ -259,7 +260,7 @@
           <a:p>
             <a:fld id="{908C5222-F6C4-44D6-B506-534DE5EE0EC4}" type="datetimeFigureOut">
               <a:rPr lang="de-DE" smtClean="0"/>
-              <a:t>25.11.2019</a:t>
+              <a:t>29.11.2019</a:t>
             </a:fld>
             <a:endParaRPr lang="de-DE"/>
           </a:p>
@@ -457,7 +458,7 @@
           <a:p>
             <a:fld id="{908C5222-F6C4-44D6-B506-534DE5EE0EC4}" type="datetimeFigureOut">
               <a:rPr lang="de-DE" smtClean="0"/>
-              <a:t>25.11.2019</a:t>
+              <a:t>29.11.2019</a:t>
             </a:fld>
             <a:endParaRPr lang="de-DE"/>
           </a:p>
@@ -665,7 +666,7 @@
           <a:p>
             <a:fld id="{908C5222-F6C4-44D6-B506-534DE5EE0EC4}" type="datetimeFigureOut">
               <a:rPr lang="de-DE" smtClean="0"/>
-              <a:t>25.11.2019</a:t>
+              <a:t>29.11.2019</a:t>
             </a:fld>
             <a:endParaRPr lang="de-DE"/>
           </a:p>
@@ -863,7 +864,7 @@
           <a:p>
             <a:fld id="{908C5222-F6C4-44D6-B506-534DE5EE0EC4}" type="datetimeFigureOut">
               <a:rPr lang="de-DE" smtClean="0"/>
-              <a:t>25.11.2019</a:t>
+              <a:t>29.11.2019</a:t>
             </a:fld>
             <a:endParaRPr lang="de-DE"/>
           </a:p>
@@ -1138,7 +1139,7 @@
           <a:p>
             <a:fld id="{908C5222-F6C4-44D6-B506-534DE5EE0EC4}" type="datetimeFigureOut">
               <a:rPr lang="de-DE" smtClean="0"/>
-              <a:t>25.11.2019</a:t>
+              <a:t>29.11.2019</a:t>
             </a:fld>
             <a:endParaRPr lang="de-DE"/>
           </a:p>
@@ -1403,7 +1404,7 @@
           <a:p>
             <a:fld id="{908C5222-F6C4-44D6-B506-534DE5EE0EC4}" type="datetimeFigureOut">
               <a:rPr lang="de-DE" smtClean="0"/>
-              <a:t>25.11.2019</a:t>
+              <a:t>29.11.2019</a:t>
             </a:fld>
             <a:endParaRPr lang="de-DE"/>
           </a:p>
@@ -1815,7 +1816,7 @@
           <a:p>
             <a:fld id="{908C5222-F6C4-44D6-B506-534DE5EE0EC4}" type="datetimeFigureOut">
               <a:rPr lang="de-DE" smtClean="0"/>
-              <a:t>25.11.2019</a:t>
+              <a:t>29.11.2019</a:t>
             </a:fld>
             <a:endParaRPr lang="de-DE"/>
           </a:p>
@@ -1956,7 +1957,7 @@
           <a:p>
             <a:fld id="{908C5222-F6C4-44D6-B506-534DE5EE0EC4}" type="datetimeFigureOut">
               <a:rPr lang="de-DE" smtClean="0"/>
-              <a:t>25.11.2019</a:t>
+              <a:t>29.11.2019</a:t>
             </a:fld>
             <a:endParaRPr lang="de-DE"/>
           </a:p>
@@ -2069,7 +2070,7 @@
           <a:p>
             <a:fld id="{908C5222-F6C4-44D6-B506-534DE5EE0EC4}" type="datetimeFigureOut">
               <a:rPr lang="de-DE" smtClean="0"/>
-              <a:t>25.11.2019</a:t>
+              <a:t>29.11.2019</a:t>
             </a:fld>
             <a:endParaRPr lang="de-DE"/>
           </a:p>
@@ -2380,7 +2381,7 @@
           <a:p>
             <a:fld id="{908C5222-F6C4-44D6-B506-534DE5EE0EC4}" type="datetimeFigureOut">
               <a:rPr lang="de-DE" smtClean="0"/>
-              <a:t>25.11.2019</a:t>
+              <a:t>29.11.2019</a:t>
             </a:fld>
             <a:endParaRPr lang="de-DE"/>
           </a:p>
@@ -2668,7 +2669,7 @@
           <a:p>
             <a:fld id="{908C5222-F6C4-44D6-B506-534DE5EE0EC4}" type="datetimeFigureOut">
               <a:rPr lang="de-DE" smtClean="0"/>
-              <a:t>25.11.2019</a:t>
+              <a:t>29.11.2019</a:t>
             </a:fld>
             <a:endParaRPr lang="de-DE"/>
           </a:p>
@@ -2909,7 +2910,7 @@
           <a:p>
             <a:fld id="{908C5222-F6C4-44D6-B506-534DE5EE0EC4}" type="datetimeFigureOut">
               <a:rPr lang="de-DE" smtClean="0"/>
-              <a:t>25.11.2019</a:t>
+              <a:t>29.11.2019</a:t>
             </a:fld>
             <a:endParaRPr lang="de-DE"/>
           </a:p>
@@ -3689,14 +3690,14 @@
           <a:p>
             <a:pPr algn="ctr"/>
             <a:r>
-              <a:rPr lang="de-DE" dirty="0"/>
+              <a:rPr lang="de-DE" sz="1600" dirty="0"/>
               <a:t>Cloud Gateway</a:t>
             </a:r>
           </a:p>
           <a:p>
             <a:pPr algn="ctr"/>
             <a:r>
-              <a:rPr lang="de-DE" dirty="0"/>
+              <a:rPr lang="de-DE" sz="1400" dirty="0"/>
               <a:t>(IoT Hub)</a:t>
             </a:r>
           </a:p>
@@ -3745,8 +3746,12 @@
           <a:p>
             <a:pPr algn="ctr"/>
             <a:r>
-              <a:rPr lang="de-DE" dirty="0"/>
-              <a:t>Stream Processing (Stream Analytics)</a:t>
+              <a:rPr lang="de-DE" sz="1600" dirty="0"/>
+              <a:t>Stream Processing </a:t>
+            </a:r>
+            <a:r>
+              <a:rPr lang="de-DE" sz="1400" dirty="0"/>
+              <a:t>(Stream Analytics)</a:t>
             </a:r>
           </a:p>
         </p:txBody>
@@ -3794,14 +3799,14 @@
           <a:p>
             <a:pPr algn="ctr"/>
             <a:r>
-              <a:rPr lang="de-DE" dirty="0"/>
+              <a:rPr lang="de-DE" sz="1600" dirty="0"/>
               <a:t>Business Integration</a:t>
             </a:r>
           </a:p>
           <a:p>
             <a:pPr algn="ctr"/>
             <a:r>
-              <a:rPr lang="de-DE" dirty="0"/>
+              <a:rPr lang="de-DE" sz="1400" dirty="0"/>
               <a:t>(Power BI)</a:t>
             </a:r>
           </a:p>
@@ -3927,6 +3932,7 @@
           </a:bodyPr>
           <a:lstStyle/>
           <a:p>
+            <a:pPr algn="ctr"/>
             <a:r>
               <a:rPr lang="de-DE" sz="1100" dirty="0"/>
               <a:t>Send </a:t>
@@ -4153,22 +4159,22 @@
           <a:p>
             <a:pPr algn="ctr"/>
             <a:r>
-              <a:rPr lang="de-DE" dirty="0"/>
+              <a:rPr lang="de-DE" sz="1600" dirty="0"/>
               <a:t>Business Integration</a:t>
             </a:r>
           </a:p>
           <a:p>
             <a:pPr algn="ctr"/>
             <a:r>
-              <a:rPr lang="de-DE" dirty="0"/>
+              <a:rPr lang="de-DE" sz="1400" dirty="0"/>
               <a:t>(Time Series </a:t>
             </a:r>
             <a:r>
-              <a:rPr lang="de-DE" dirty="0" err="1"/>
+              <a:rPr lang="de-DE" sz="1400" dirty="0" err="1"/>
               <a:t>Insights</a:t>
             </a:r>
             <a:r>
-              <a:rPr lang="de-DE" dirty="0"/>
+              <a:rPr lang="de-DE" sz="1400" dirty="0"/>
               <a:t>) </a:t>
             </a:r>
           </a:p>
@@ -4267,15 +4273,15 @@
           <a:p>
             <a:pPr algn="ctr"/>
             <a:r>
-              <a:rPr lang="de-DE" dirty="0"/>
+              <a:rPr lang="de-DE" sz="1400" dirty="0"/>
               <a:t>(</a:t>
             </a:r>
             <a:r>
-              <a:rPr lang="de-DE" dirty="0" err="1"/>
+              <a:rPr lang="de-DE" sz="1400" dirty="0" err="1"/>
               <a:t>Cosmos</a:t>
             </a:r>
             <a:r>
-              <a:rPr lang="de-DE" dirty="0"/>
+              <a:rPr lang="de-DE" sz="1400" dirty="0"/>
               <a:t> DB) </a:t>
             </a:r>
           </a:p>
@@ -4386,8 +4392,8 @@
         </p:nvSpPr>
         <p:spPr>
           <a:xfrm>
-            <a:off x="529857" y="2205298"/>
-            <a:ext cx="1353671" cy="1478429"/>
+            <a:off x="468573" y="2205298"/>
+            <a:ext cx="1414955" cy="1478429"/>
           </a:xfrm>
           <a:prstGeom prst="rect">
             <a:avLst/>
@@ -4415,8 +4421,67 @@
           <a:p>
             <a:pPr algn="ctr"/>
             <a:r>
-              <a:rPr lang="de-DE" dirty="0"/>
-              <a:t>Wind Farm (Wind Farm Dashboard App )</a:t>
+              <a:rPr lang="de-DE" sz="1600" dirty="0"/>
+              <a:t>Wind Farm </a:t>
+            </a:r>
+            <a:r>
+              <a:rPr lang="de-DE" sz="1400" dirty="0"/>
+              <a:t>(Wind Farm Dashboard App )</a:t>
+            </a:r>
+          </a:p>
+        </p:txBody>
+      </p:sp>
+      <p:sp>
+        <p:nvSpPr>
+          <p:cNvPr id="2" name="Textfeld 1">
+            <a:extLst>
+              <a:ext uri="{FF2B5EF4-FFF2-40B4-BE49-F238E27FC236}">
+                <a16:creationId xmlns:a16="http://schemas.microsoft.com/office/drawing/2014/main" id="{139E7597-EF6D-4FF8-A8AE-086F2150F33E}"/>
+              </a:ext>
+            </a:extLst>
+          </p:cNvPr>
+          <p:cNvSpPr txBox="1"/>
+          <p:nvPr/>
+        </p:nvSpPr>
+        <p:spPr>
+          <a:xfrm>
+            <a:off x="436732" y="3406728"/>
+            <a:ext cx="1644236" cy="276999"/>
+          </a:xfrm>
+          <a:prstGeom prst="rect">
+            <a:avLst/>
+          </a:prstGeom>
+          <a:noFill/>
+        </p:spPr>
+        <p:txBody>
+          <a:bodyPr wrap="square" rtlCol="0">
+            <a:spAutoFit/>
+          </a:bodyPr>
+          <a:lstStyle/>
+          <a:p>
+            <a:r>
+              <a:rPr lang="de-DE" sz="1200" dirty="0">
+                <a:solidFill>
+                  <a:schemeClr val="bg1"/>
+                </a:solidFill>
+              </a:rPr>
+              <a:t>CWF-001 </a:t>
+            </a:r>
+            <a:r>
+              <a:rPr lang="de-DE" sz="1200" dirty="0" err="1">
+                <a:solidFill>
+                  <a:schemeClr val="bg1"/>
+                </a:solidFill>
+              </a:rPr>
+              <a:t>to</a:t>
+            </a:r>
+            <a:r>
+              <a:rPr lang="de-DE" sz="1200" dirty="0">
+                <a:solidFill>
+                  <a:schemeClr val="bg1"/>
+                </a:solidFill>
+              </a:rPr>
+              <a:t> CWF-010</a:t>
             </a:r>
           </a:p>
         </p:txBody>
@@ -4425,6 +4490,423 @@
     <p:extLst>
       <p:ext uri="{BB962C8B-B14F-4D97-AF65-F5344CB8AC3E}">
         <p14:creationId xmlns:p14="http://schemas.microsoft.com/office/powerpoint/2010/main" val="1653340"/>
+      </p:ext>
+    </p:extLst>
+  </p:cSld>
+  <p:clrMapOvr>
+    <a:masterClrMapping/>
+  </p:clrMapOvr>
+</p:sld>
+</file>
+
+<file path=ppt/slides/slide2.xml><?xml version="1.0" encoding="utf-8"?>
+<p:sld xmlns:a="http://schemas.openxmlformats.org/drawingml/2006/main" xmlns:r="http://schemas.openxmlformats.org/officeDocument/2006/relationships" xmlns:p="http://schemas.openxmlformats.org/presentationml/2006/main">
+  <p:cSld>
+    <p:spTree>
+      <p:nvGrpSpPr>
+        <p:cNvPr id="1" name=""/>
+        <p:cNvGrpSpPr/>
+        <p:nvPr/>
+      </p:nvGrpSpPr>
+      <p:grpSpPr>
+        <a:xfrm>
+          <a:off x="0" y="0"/>
+          <a:ext cx="0" cy="0"/>
+          <a:chOff x="0" y="0"/>
+          <a:chExt cx="0" cy="0"/>
+        </a:xfrm>
+      </p:grpSpPr>
+      <p:sp>
+        <p:nvSpPr>
+          <p:cNvPr id="3" name="Inhaltsplatzhalter 2">
+            <a:extLst>
+              <a:ext uri="{FF2B5EF4-FFF2-40B4-BE49-F238E27FC236}">
+                <a16:creationId xmlns:a16="http://schemas.microsoft.com/office/drawing/2014/main" id="{55A2F5B3-AA65-4C3E-8B2A-705AA7CDFCDA}"/>
+              </a:ext>
+            </a:extLst>
+          </p:cNvPr>
+          <p:cNvSpPr>
+            <a:spLocks noGrp="1"/>
+          </p:cNvSpPr>
+          <p:nvPr>
+            <p:ph idx="1"/>
+          </p:nvPr>
+        </p:nvSpPr>
+        <p:spPr>
+          <a:xfrm>
+            <a:off x="685800" y="884331"/>
+            <a:ext cx="10515600" cy="4351338"/>
+          </a:xfrm>
+        </p:spPr>
+        <p:txBody>
+          <a:bodyPr>
+            <a:normAutofit/>
+          </a:bodyPr>
+          <a:lstStyle/>
+          <a:p>
+            <a:pPr marL="0" indent="0">
+              <a:buNone/>
+            </a:pPr>
+            <a:r>
+              <a:rPr lang="en-US" sz="4400" dirty="0">
+                <a:solidFill>
+                  <a:prstClr val="black"/>
+                </a:solidFill>
+                <a:latin typeface="Calibri Light" panose="020F0302020204030204"/>
+                <a:ea typeface="+mj-ea"/>
+                <a:cs typeface="+mj-cs"/>
+              </a:rPr>
+              <a:t>Why was the subsystem chosen?</a:t>
+            </a:r>
+            <a:endParaRPr lang="de-DE" sz="1800" dirty="0">
+              <a:latin typeface="+mj-lt"/>
+            </a:endParaRPr>
+          </a:p>
+          <a:p>
+            <a:pPr marL="0" indent="0">
+              <a:buNone/>
+            </a:pPr>
+            <a:endParaRPr lang="de-DE" sz="1800" dirty="0">
+              <a:latin typeface="+mj-lt"/>
+            </a:endParaRPr>
+          </a:p>
+          <a:p>
+            <a:pPr marL="0" indent="0">
+              <a:buNone/>
+            </a:pPr>
+            <a:endParaRPr lang="de-DE" sz="1800" dirty="0">
+              <a:latin typeface="+mj-lt"/>
+            </a:endParaRPr>
+          </a:p>
+          <a:p>
+            <a:pPr marL="0" indent="0">
+              <a:buNone/>
+            </a:pPr>
+            <a:r>
+              <a:rPr lang="de-DE" sz="1800" dirty="0">
+                <a:latin typeface="+mj-lt"/>
+              </a:rPr>
+              <a:t>Wind Farm Simulator: </a:t>
+            </a:r>
+            <a:r>
+              <a:rPr lang="de-DE" sz="1800" dirty="0" err="1">
+                <a:latin typeface="+mj-lt"/>
+              </a:rPr>
+              <a:t>To</a:t>
+            </a:r>
+            <a:r>
+              <a:rPr lang="de-DE" sz="1800" dirty="0">
+                <a:latin typeface="+mj-lt"/>
+              </a:rPr>
+              <a:t> </a:t>
+            </a:r>
+            <a:r>
+              <a:rPr lang="de-DE" sz="1800" dirty="0" err="1">
+                <a:latin typeface="+mj-lt"/>
+              </a:rPr>
+              <a:t>simulate</a:t>
+            </a:r>
+            <a:r>
+              <a:rPr lang="de-DE" sz="1800" dirty="0">
+                <a:latin typeface="+mj-lt"/>
+              </a:rPr>
+              <a:t> 10 </a:t>
+            </a:r>
+            <a:r>
+              <a:rPr lang="de-DE" sz="1800" dirty="0" err="1">
+                <a:latin typeface="+mj-lt"/>
+              </a:rPr>
+              <a:t>devices</a:t>
+            </a:r>
+            <a:r>
+              <a:rPr lang="de-DE" sz="1800" dirty="0">
+                <a:latin typeface="+mj-lt"/>
+              </a:rPr>
+              <a:t> </a:t>
+            </a:r>
+            <a:r>
+              <a:rPr lang="de-DE" sz="1800" dirty="0" err="1">
+                <a:latin typeface="+mj-lt"/>
+              </a:rPr>
+              <a:t>which</a:t>
+            </a:r>
+            <a:r>
+              <a:rPr lang="de-DE" sz="1800" dirty="0">
+                <a:latin typeface="+mj-lt"/>
+              </a:rPr>
+              <a:t> send </a:t>
+            </a:r>
+            <a:r>
+              <a:rPr lang="de-DE" sz="1800" dirty="0" err="1">
+                <a:latin typeface="+mj-lt"/>
+              </a:rPr>
+              <a:t>the</a:t>
+            </a:r>
+            <a:r>
+              <a:rPr lang="de-DE" sz="1800" dirty="0">
+                <a:latin typeface="+mj-lt"/>
+              </a:rPr>
+              <a:t> </a:t>
+            </a:r>
+            <a:r>
+              <a:rPr lang="de-DE" sz="1800" dirty="0" err="1">
+                <a:latin typeface="+mj-lt"/>
+              </a:rPr>
+              <a:t>needed</a:t>
+            </a:r>
+            <a:r>
+              <a:rPr lang="de-DE" sz="1800" dirty="0">
+                <a:latin typeface="+mj-lt"/>
+              </a:rPr>
+              <a:t> </a:t>
+            </a:r>
+            <a:r>
+              <a:rPr lang="de-DE" sz="1800" dirty="0" err="1">
+                <a:latin typeface="+mj-lt"/>
+              </a:rPr>
+              <a:t>data</a:t>
+            </a:r>
+            <a:r>
+              <a:rPr lang="de-DE" sz="1800" dirty="0">
+                <a:latin typeface="+mj-lt"/>
+              </a:rPr>
+              <a:t> </a:t>
+            </a:r>
+            <a:r>
+              <a:rPr lang="de-DE" sz="1800" dirty="0" err="1">
+                <a:latin typeface="+mj-lt"/>
+              </a:rPr>
+              <a:t>very</a:t>
+            </a:r>
+            <a:r>
+              <a:rPr lang="de-DE" sz="1800" dirty="0">
+                <a:latin typeface="+mj-lt"/>
+              </a:rPr>
+              <a:t> fast.</a:t>
+            </a:r>
+          </a:p>
+          <a:p>
+            <a:pPr marL="0" indent="0">
+              <a:buNone/>
+            </a:pPr>
+            <a:r>
+              <a:rPr lang="de-DE" sz="1800" dirty="0">
+                <a:latin typeface="+mj-lt"/>
+              </a:rPr>
+              <a:t>IoT Hub: Gather all Data at </a:t>
+            </a:r>
+            <a:r>
+              <a:rPr lang="de-DE" sz="1800" dirty="0" err="1">
+                <a:latin typeface="+mj-lt"/>
+              </a:rPr>
+              <a:t>one</a:t>
+            </a:r>
+            <a:r>
+              <a:rPr lang="de-DE" sz="1800" dirty="0">
+                <a:latin typeface="+mj-lt"/>
+              </a:rPr>
+              <a:t> </a:t>
+            </a:r>
+            <a:r>
+              <a:rPr lang="de-DE" sz="1800" dirty="0" err="1">
+                <a:latin typeface="+mj-lt"/>
+              </a:rPr>
+              <a:t>point</a:t>
+            </a:r>
+            <a:r>
+              <a:rPr lang="de-DE" sz="1800" dirty="0">
+                <a:latin typeface="+mj-lt"/>
+              </a:rPr>
+              <a:t> </a:t>
+            </a:r>
+            <a:r>
+              <a:rPr lang="de-DE" sz="1800" dirty="0" err="1">
+                <a:latin typeface="+mj-lt"/>
+              </a:rPr>
+              <a:t>for</a:t>
+            </a:r>
+            <a:r>
+              <a:rPr lang="de-DE" sz="1800" dirty="0">
+                <a:latin typeface="+mj-lt"/>
+              </a:rPr>
+              <a:t> </a:t>
+            </a:r>
+            <a:r>
+              <a:rPr lang="de-DE" sz="1800" dirty="0" err="1">
+                <a:latin typeface="+mj-lt"/>
+              </a:rPr>
+              <a:t>futher</a:t>
+            </a:r>
+            <a:r>
+              <a:rPr lang="de-DE" sz="1800" dirty="0">
+                <a:latin typeface="+mj-lt"/>
+              </a:rPr>
+              <a:t> </a:t>
+            </a:r>
+            <a:r>
+              <a:rPr lang="de-DE" sz="1800" dirty="0" err="1">
+                <a:latin typeface="+mj-lt"/>
+              </a:rPr>
+              <a:t>processing</a:t>
+            </a:r>
+            <a:r>
+              <a:rPr lang="de-DE" sz="1800" dirty="0">
+                <a:latin typeface="+mj-lt"/>
+              </a:rPr>
+              <a:t>.</a:t>
+            </a:r>
+          </a:p>
+          <a:p>
+            <a:pPr marL="0" indent="0">
+              <a:buNone/>
+            </a:pPr>
+            <a:r>
+              <a:rPr lang="de-DE" sz="1800" dirty="0">
+                <a:latin typeface="+mj-lt"/>
+              </a:rPr>
+              <a:t>Azure Time Series Hub Event Source: Connect Times Series </a:t>
+            </a:r>
+            <a:r>
+              <a:rPr lang="de-DE" sz="1800" dirty="0" err="1">
+                <a:latin typeface="+mj-lt"/>
+              </a:rPr>
+              <a:t>Insights</a:t>
+            </a:r>
+            <a:r>
+              <a:rPr lang="de-DE" sz="1800" dirty="0">
+                <a:latin typeface="+mj-lt"/>
+              </a:rPr>
+              <a:t> with </a:t>
+            </a:r>
+            <a:r>
+              <a:rPr lang="de-DE" sz="1800" dirty="0" err="1">
+                <a:latin typeface="+mj-lt"/>
+              </a:rPr>
+              <a:t>the</a:t>
+            </a:r>
+            <a:r>
+              <a:rPr lang="de-DE" sz="1800" dirty="0">
+                <a:latin typeface="+mj-lt"/>
+              </a:rPr>
+              <a:t> IoT Hub</a:t>
+            </a:r>
+          </a:p>
+          <a:p>
+            <a:pPr marL="0" indent="0">
+              <a:buNone/>
+            </a:pPr>
+            <a:r>
+              <a:rPr lang="de-DE" sz="1800" dirty="0">
+                <a:latin typeface="+mj-lt"/>
+              </a:rPr>
+              <a:t>Azure Time Series </a:t>
+            </a:r>
+            <a:r>
+              <a:rPr lang="de-DE" sz="1800" dirty="0" err="1">
+                <a:latin typeface="+mj-lt"/>
+              </a:rPr>
+              <a:t>Insights</a:t>
+            </a:r>
+            <a:r>
+              <a:rPr lang="de-DE" sz="1800" dirty="0">
+                <a:latin typeface="+mj-lt"/>
+              </a:rPr>
+              <a:t>: Analysis &amp; </a:t>
+            </a:r>
+            <a:r>
+              <a:rPr lang="de-DE" sz="1800" dirty="0" err="1">
+                <a:latin typeface="+mj-lt"/>
+              </a:rPr>
+              <a:t>presentation</a:t>
+            </a:r>
+            <a:r>
+              <a:rPr lang="de-DE" sz="1800" dirty="0">
+                <a:latin typeface="+mj-lt"/>
+              </a:rPr>
+              <a:t> </a:t>
+            </a:r>
+            <a:r>
+              <a:rPr lang="de-DE" sz="1800" dirty="0" err="1">
+                <a:latin typeface="+mj-lt"/>
+              </a:rPr>
+              <a:t>of</a:t>
+            </a:r>
+            <a:r>
+              <a:rPr lang="de-DE" sz="1800" dirty="0">
+                <a:latin typeface="+mj-lt"/>
+              </a:rPr>
+              <a:t> </a:t>
+            </a:r>
+            <a:r>
+              <a:rPr lang="de-DE" sz="1800" dirty="0" err="1">
+                <a:latin typeface="+mj-lt"/>
+              </a:rPr>
+              <a:t>near</a:t>
+            </a:r>
+            <a:r>
+              <a:rPr lang="de-DE" sz="1800" dirty="0">
+                <a:latin typeface="+mj-lt"/>
+              </a:rPr>
+              <a:t> real-time </a:t>
+            </a:r>
+            <a:r>
+              <a:rPr lang="de-DE" sz="1800" dirty="0" err="1">
+                <a:latin typeface="+mj-lt"/>
+              </a:rPr>
+              <a:t>data</a:t>
+            </a:r>
+            <a:endParaRPr lang="de-DE" sz="1800" dirty="0">
+              <a:latin typeface="+mj-lt"/>
+            </a:endParaRPr>
+          </a:p>
+          <a:p>
+            <a:pPr marL="0" indent="0">
+              <a:buNone/>
+            </a:pPr>
+            <a:r>
+              <a:rPr lang="de-DE" sz="1800" dirty="0">
+                <a:latin typeface="+mj-lt"/>
+              </a:rPr>
+              <a:t>Azure Stream Analytics: </a:t>
+            </a:r>
+            <a:r>
+              <a:rPr lang="en-US" sz="1800" dirty="0">
+                <a:latin typeface="+mj-lt"/>
+              </a:rPr>
+              <a:t>Process and redirect incoming data from the Wind Farm.</a:t>
+            </a:r>
+          </a:p>
+          <a:p>
+            <a:pPr marL="0" indent="0">
+              <a:buNone/>
+            </a:pPr>
+            <a:r>
+              <a:rPr lang="en-US" sz="1800" dirty="0">
+                <a:latin typeface="+mj-lt"/>
+              </a:rPr>
+              <a:t>Azure Cosmos DB: Device telemetry data -&gt; long-term storage for analysis.</a:t>
+            </a:r>
+          </a:p>
+          <a:p>
+            <a:pPr marL="0" indent="0">
+              <a:buNone/>
+            </a:pPr>
+            <a:r>
+              <a:rPr lang="en-US" sz="1800" dirty="0">
+                <a:latin typeface="+mj-lt"/>
+              </a:rPr>
+              <a:t>Power BI: Analysis &amp; presentation of warm-stored data (Cosmos DB)</a:t>
+            </a:r>
+            <a:endParaRPr lang="de-DE" sz="1800" dirty="0">
+              <a:latin typeface="+mj-lt"/>
+            </a:endParaRPr>
+          </a:p>
+        </p:txBody>
+      </p:sp>
+    </p:spTree>
+    <p:extLst>
+      <p:ext uri="{BB962C8B-B14F-4D97-AF65-F5344CB8AC3E}">
+        <p14:creationId xmlns:p14="http://schemas.microsoft.com/office/powerpoint/2010/main" val="3440304836"/>
       </p:ext>
     </p:extLst>
   </p:cSld>
@@ -4730,6 +5212,21 @@
 </file>
 
 <file path=customXml/item1.xml><?xml version="1.0" encoding="utf-8"?>
+<p:properties xmlns:p="http://schemas.microsoft.com/office/2006/metadata/properties" xmlns:xsi="http://www.w3.org/2001/XMLSchema-instance" xmlns:pc="http://schemas.microsoft.com/office/infopath/2007/PartnerControls">
+  <documentManagement/>
+</p:properties>
+</file>
+
+<file path=customXml/item2.xml><?xml version="1.0" encoding="utf-8"?>
+<?mso-contentType ?>
+<FormTemplates xmlns="http://schemas.microsoft.com/sharepoint/v3/contenttype/forms">
+  <Display>DocumentLibraryForm</Display>
+  <Edit>DocumentLibraryForm</Edit>
+  <New>DocumentLibraryForm</New>
+</FormTemplates>
+</file>
+
+<file path=customXml/item3.xml><?xml version="1.0" encoding="utf-8"?>
 <ct:contentTypeSchema xmlns:ct="http://schemas.microsoft.com/office/2006/metadata/contentType" xmlns:ma="http://schemas.microsoft.com/office/2006/metadata/properties/metaAttributes" ct:_="" ma:_="" ma:contentTypeName="Dokument" ma:contentTypeID="0x010100BBF6283439761D40B08F0056DCBA17E1" ma:contentTypeVersion="10" ma:contentTypeDescription="Ein neues Dokument erstellen." ma:contentTypeScope="" ma:versionID="84315e637acd372a4abaca7409a563f9">
   <xsd:schema xmlns:xsd="http://www.w3.org/2001/XMLSchema" xmlns:xs="http://www.w3.org/2001/XMLSchema" xmlns:p="http://schemas.microsoft.com/office/2006/metadata/properties" xmlns:ns3="f1ee7342-aed9-4999-8b8d-f837fb8a41e6" xmlns:ns4="6c4d21e3-ba61-4b04-912a-c06101706d07" targetNamespace="http://schemas.microsoft.com/office/2006/metadata/properties" ma:root="true" ma:fieldsID="18efee6b7fd408f65f4b8919536c0105" ns3:_="" ns4:_="">
     <xsd:import namespace="f1ee7342-aed9-4999-8b8d-f837fb8a41e6"/>
@@ -4932,22 +5429,24 @@
 </ct:contentTypeSchema>
 </file>
 
-<file path=customXml/item2.xml><?xml version="1.0" encoding="utf-8"?>
-<p:properties xmlns:p="http://schemas.microsoft.com/office/2006/metadata/properties" xmlns:xsi="http://www.w3.org/2001/XMLSchema-instance" xmlns:pc="http://schemas.microsoft.com/office/infopath/2007/PartnerControls">
-  <documentManagement/>
-</p:properties>
+<file path=customXml/itemProps1.xml><?xml version="1.0" encoding="utf-8"?>
+<ds:datastoreItem xmlns:ds="http://schemas.openxmlformats.org/officeDocument/2006/customXml" ds:itemID="{AF996A32-76DC-48C7-B141-E3E0E8D9FF75}">
+  <ds:schemaRefs>
+    <ds:schemaRef ds:uri="http://schemas.microsoft.com/office/2006/metadata/properties"/>
+    <ds:schemaRef ds:uri="http://schemas.microsoft.com/office/infopath/2007/PartnerControls"/>
+  </ds:schemaRefs>
+</ds:datastoreItem>
 </file>
 
-<file path=customXml/item3.xml><?xml version="1.0" encoding="utf-8"?>
-<?mso-contentType ?>
-<FormTemplates xmlns="http://schemas.microsoft.com/sharepoint/v3/contenttype/forms">
-  <Display>DocumentLibraryForm</Display>
-  <Edit>DocumentLibraryForm</Edit>
-  <New>DocumentLibraryForm</New>
-</FormTemplates>
+<file path=customXml/itemProps2.xml><?xml version="1.0" encoding="utf-8"?>
+<ds:datastoreItem xmlns:ds="http://schemas.openxmlformats.org/officeDocument/2006/customXml" ds:itemID="{D75608A3-82DB-4A0D-A871-646B23517B11}">
+  <ds:schemaRefs>
+    <ds:schemaRef ds:uri="http://schemas.microsoft.com/sharepoint/v3/contenttype/forms"/>
+  </ds:schemaRefs>
+</ds:datastoreItem>
 </file>
 
-<file path=customXml/itemProps1.xml><?xml version="1.0" encoding="utf-8"?>
+<file path=customXml/itemProps3.xml><?xml version="1.0" encoding="utf-8"?>
 <ds:datastoreItem xmlns:ds="http://schemas.openxmlformats.org/officeDocument/2006/customXml" ds:itemID="{73E1EB8D-ED6C-46BF-9FD7-670825C9DFC2}">
   <ds:schemaRefs>
     <ds:schemaRef ds:uri="http://schemas.microsoft.com/office/2006/metadata/contentType"/>
@@ -4964,21 +5463,4 @@
     <ds:schemaRef ds:uri="http://schemas.microsoft.com/internal/obd"/>
   </ds:schemaRefs>
 </ds:datastoreItem>
-</file>
-
-<file path=customXml/itemProps2.xml><?xml version="1.0" encoding="utf-8"?>
-<ds:datastoreItem xmlns:ds="http://schemas.openxmlformats.org/officeDocument/2006/customXml" ds:itemID="{AF996A32-76DC-48C7-B141-E3E0E8D9FF75}">
-  <ds:schemaRefs>
-    <ds:schemaRef ds:uri="http://schemas.microsoft.com/office/2006/metadata/properties"/>
-    <ds:schemaRef ds:uri="http://schemas.microsoft.com/office/infopath/2007/PartnerControls"/>
-  </ds:schemaRefs>
-</ds:datastoreItem>
-</file>
-
-<file path=customXml/itemProps3.xml><?xml version="1.0" encoding="utf-8"?>
-<ds:datastoreItem xmlns:ds="http://schemas.openxmlformats.org/officeDocument/2006/customXml" ds:itemID="{D75608A3-82DB-4A0D-A871-646B23517B11}">
-  <ds:schemaRefs>
-    <ds:schemaRef ds:uri="http://schemas.microsoft.com/sharepoint/v3/contenttype/forms"/>
-  </ds:schemaRefs>
-</ds:datastoreItem>
 </file>
--- a/Lab2/WindFarmArchitecture-36FB8F6A.pptx
+++ b/Lab2/WindFarmArchitecture-36FB8F6A.pptx
@@ -3435,7 +3435,10 @@
           <a:lstStyle/>
           <a:p>
             <a:pPr algn="ctr"/>
-            <a:endParaRPr lang="de-DE"/>
+            <a:r>
+              <a:rPr lang="de-DE" dirty="0"/>
+              <a:t> </a:t>
+            </a:r>
           </a:p>
         </p:txBody>
       </p:sp>
@@ -3661,7 +3664,7 @@
         </p:nvSpPr>
         <p:spPr>
           <a:xfrm>
-            <a:off x="3110611" y="2484680"/>
+            <a:off x="3078770" y="2168520"/>
             <a:ext cx="1596559" cy="914400"/>
           </a:xfrm>
           <a:prstGeom prst="rect">
@@ -3717,7 +3720,7 @@
         </p:nvSpPr>
         <p:spPr>
           <a:xfrm>
-            <a:off x="6566736" y="2322147"/>
+            <a:off x="6534895" y="2005987"/>
             <a:ext cx="1246935" cy="1237129"/>
           </a:xfrm>
           <a:prstGeom prst="rect">
@@ -3829,7 +3832,7 @@
         </p:nvCxnSpPr>
         <p:spPr>
           <a:xfrm flipV="1">
-            <a:off x="4707170" y="2940712"/>
+            <a:off x="4675329" y="2624552"/>
             <a:ext cx="1859566" cy="1168"/>
           </a:xfrm>
           <a:prstGeom prst="straightConnector1">
@@ -3875,7 +3878,7 @@
         </p:nvCxnSpPr>
         <p:spPr>
           <a:xfrm flipV="1">
-            <a:off x="1883528" y="2941880"/>
+            <a:off x="1851687" y="2625720"/>
             <a:ext cx="1227083" cy="2633"/>
           </a:xfrm>
           <a:prstGeom prst="straightConnector1">
@@ -3918,7 +3921,7 @@
         </p:nvSpPr>
         <p:spPr>
           <a:xfrm>
-            <a:off x="1980670" y="2102395"/>
+            <a:off x="1948829" y="1786235"/>
             <a:ext cx="1311038" cy="769441"/>
           </a:xfrm>
           <a:prstGeom prst="rect">
@@ -4010,7 +4013,7 @@
         </p:nvSpPr>
         <p:spPr>
           <a:xfrm>
-            <a:off x="606204" y="2136536"/>
+            <a:off x="574363" y="1820376"/>
             <a:ext cx="1353671" cy="1478429"/>
           </a:xfrm>
           <a:prstGeom prst="rect">
@@ -4130,8 +4133,8 @@
         </p:nvSpPr>
         <p:spPr>
           <a:xfrm>
-            <a:off x="6317054" y="405597"/>
-            <a:ext cx="1746298" cy="1398494"/>
+            <a:off x="9425406" y="476939"/>
+            <a:ext cx="1596559" cy="1398494"/>
           </a:xfrm>
           <a:prstGeom prst="rect">
             <a:avLst/>
@@ -4198,8 +4201,8 @@
         </p:nvCxnSpPr>
         <p:spPr>
           <a:xfrm rot="5400000" flipH="1" flipV="1">
-            <a:off x="4423054" y="590681"/>
-            <a:ext cx="1379836" cy="2408163"/>
+            <a:off x="6155061" y="-1101825"/>
+            <a:ext cx="992334" cy="5548356"/>
           </a:xfrm>
           <a:prstGeom prst="bentConnector2">
             <a:avLst/>
@@ -4304,9 +4307,9 @@
           <p:nvPr/>
         </p:nvCxnSpPr>
         <p:spPr>
-          <a:xfrm flipH="1">
-            <a:off x="7177226" y="3559276"/>
-            <a:ext cx="12978" cy="183185"/>
+          <a:xfrm>
+            <a:off x="7158363" y="3243116"/>
+            <a:ext cx="18863" cy="499345"/>
           </a:xfrm>
           <a:prstGeom prst="straightConnector1">
             <a:avLst/>
@@ -4392,7 +4395,7 @@
         </p:nvSpPr>
         <p:spPr>
           <a:xfrm>
-            <a:off x="468573" y="2205298"/>
+            <a:off x="436732" y="1889138"/>
             <a:ext cx="1414955" cy="1478429"/>
           </a:xfrm>
           <a:prstGeom prst="rect">
@@ -4482,6 +4485,264 @@
                 </a:solidFill>
               </a:rPr>
               <a:t> CWF-010</a:t>
+            </a:r>
+          </a:p>
+        </p:txBody>
+      </p:sp>
+      <p:sp>
+        <p:nvSpPr>
+          <p:cNvPr id="3" name="Textfeld 2">
+            <a:extLst>
+              <a:ext uri="{FF2B5EF4-FFF2-40B4-BE49-F238E27FC236}">
+                <a16:creationId xmlns:a16="http://schemas.microsoft.com/office/drawing/2014/main" id="{10B40C07-2A3A-4EF9-89BF-9ACC5C4E750C}"/>
+              </a:ext>
+            </a:extLst>
+          </p:cNvPr>
+          <p:cNvSpPr txBox="1"/>
+          <p:nvPr/>
+        </p:nvSpPr>
+        <p:spPr>
+          <a:xfrm>
+            <a:off x="4222066" y="552028"/>
+            <a:ext cx="1781812" cy="430887"/>
+          </a:xfrm>
+          <a:prstGeom prst="rect">
+            <a:avLst/>
+          </a:prstGeom>
+          <a:noFill/>
+        </p:spPr>
+        <p:txBody>
+          <a:bodyPr wrap="square" rtlCol="0">
+            <a:spAutoFit/>
+          </a:bodyPr>
+          <a:lstStyle/>
+          <a:p>
+            <a:r>
+              <a:rPr lang="de-DE" sz="1100" dirty="0"/>
+              <a:t>IoT Hub </a:t>
+            </a:r>
+            <a:r>
+              <a:rPr lang="de-DE" sz="1100" dirty="0" err="1"/>
+              <a:t>to</a:t>
+            </a:r>
+            <a:r>
+              <a:rPr lang="de-DE" sz="1100" dirty="0"/>
+              <a:t> TSI:</a:t>
+            </a:r>
+          </a:p>
+          <a:p>
+            <a:r>
+              <a:rPr lang="de-DE" sz="1100" dirty="0"/>
+              <a:t>- JSON </a:t>
+            </a:r>
+            <a:r>
+              <a:rPr lang="de-DE" sz="1100" dirty="0" err="1"/>
+              <a:t>Telemetry</a:t>
+            </a:r>
+            <a:r>
+              <a:rPr lang="de-DE" sz="1100" dirty="0"/>
+              <a:t> </a:t>
+            </a:r>
+            <a:r>
+              <a:rPr lang="de-DE" sz="1100" dirty="0" err="1"/>
+              <a:t>data</a:t>
+            </a:r>
+            <a:endParaRPr lang="de-DE" sz="1100" dirty="0"/>
+          </a:p>
+        </p:txBody>
+      </p:sp>
+      <p:sp>
+        <p:nvSpPr>
+          <p:cNvPr id="25" name="Textfeld 24">
+            <a:extLst>
+              <a:ext uri="{FF2B5EF4-FFF2-40B4-BE49-F238E27FC236}">
+                <a16:creationId xmlns:a16="http://schemas.microsoft.com/office/drawing/2014/main" id="{190C3201-1B0D-4A49-936F-D95271616180}"/>
+              </a:ext>
+            </a:extLst>
+          </p:cNvPr>
+          <p:cNvSpPr txBox="1"/>
+          <p:nvPr/>
+        </p:nvSpPr>
+        <p:spPr>
+          <a:xfrm>
+            <a:off x="4785460" y="2010480"/>
+            <a:ext cx="2527448" cy="430887"/>
+          </a:xfrm>
+          <a:prstGeom prst="rect">
+            <a:avLst/>
+          </a:prstGeom>
+          <a:noFill/>
+        </p:spPr>
+        <p:txBody>
+          <a:bodyPr wrap="square" rtlCol="0">
+            <a:spAutoFit/>
+          </a:bodyPr>
+          <a:lstStyle/>
+          <a:p>
+            <a:r>
+              <a:rPr lang="de-DE" sz="1100" dirty="0"/>
+              <a:t>IoT Hub </a:t>
+            </a:r>
+            <a:r>
+              <a:rPr lang="de-DE" sz="1100" dirty="0" err="1"/>
+              <a:t>to</a:t>
+            </a:r>
+            <a:r>
+              <a:rPr lang="de-DE" sz="1100" dirty="0"/>
+              <a:t> ASA:</a:t>
+            </a:r>
+          </a:p>
+          <a:p>
+            <a:r>
+              <a:rPr lang="de-DE" sz="1100" dirty="0"/>
+              <a:t>- JSON </a:t>
+            </a:r>
+            <a:r>
+              <a:rPr lang="de-DE" sz="1100" dirty="0" err="1"/>
+              <a:t>Telemetry</a:t>
+            </a:r>
+            <a:r>
+              <a:rPr lang="de-DE" sz="1100" dirty="0"/>
+              <a:t> </a:t>
+            </a:r>
+            <a:r>
+              <a:rPr lang="de-DE" sz="1100" dirty="0" err="1"/>
+              <a:t>data</a:t>
+            </a:r>
+            <a:endParaRPr lang="de-DE" sz="1100" dirty="0"/>
+          </a:p>
+        </p:txBody>
+      </p:sp>
+      <p:sp>
+        <p:nvSpPr>
+          <p:cNvPr id="26" name="Textfeld 25">
+            <a:extLst>
+              <a:ext uri="{FF2B5EF4-FFF2-40B4-BE49-F238E27FC236}">
+                <a16:creationId xmlns:a16="http://schemas.microsoft.com/office/drawing/2014/main" id="{8819A7B6-387F-4B6C-AAAE-6DE0E7167E58}"/>
+              </a:ext>
+            </a:extLst>
+          </p:cNvPr>
+          <p:cNvSpPr txBox="1"/>
+          <p:nvPr/>
+        </p:nvSpPr>
+        <p:spPr>
+          <a:xfrm>
+            <a:off x="5736616" y="3252112"/>
+            <a:ext cx="1596558" cy="430887"/>
+          </a:xfrm>
+          <a:prstGeom prst="rect">
+            <a:avLst/>
+          </a:prstGeom>
+          <a:noFill/>
+        </p:spPr>
+        <p:txBody>
+          <a:bodyPr wrap="square" rtlCol="0">
+            <a:spAutoFit/>
+          </a:bodyPr>
+          <a:lstStyle/>
+          <a:p>
+            <a:r>
+              <a:rPr lang="de-DE" sz="1100" dirty="0"/>
+              <a:t>ASA </a:t>
+            </a:r>
+            <a:r>
+              <a:rPr lang="de-DE" sz="1100" dirty="0" err="1"/>
+              <a:t>to</a:t>
+            </a:r>
+            <a:r>
+              <a:rPr lang="de-DE" sz="1100" dirty="0"/>
+              <a:t> </a:t>
+            </a:r>
+            <a:r>
+              <a:rPr lang="de-DE" sz="1100" dirty="0" err="1"/>
+              <a:t>CosmosDB</a:t>
+            </a:r>
+            <a:r>
+              <a:rPr lang="de-DE" sz="1100" dirty="0"/>
+              <a:t>: </a:t>
+            </a:r>
+          </a:p>
+          <a:p>
+            <a:r>
+              <a:rPr lang="de-DE" sz="1100" dirty="0"/>
+              <a:t>- JSON </a:t>
+            </a:r>
+            <a:r>
+              <a:rPr lang="de-DE" sz="1100" dirty="0" err="1"/>
+              <a:t>Telemetry</a:t>
+            </a:r>
+            <a:r>
+              <a:rPr lang="de-DE" sz="1100" dirty="0"/>
+              <a:t> Data</a:t>
+            </a:r>
+          </a:p>
+        </p:txBody>
+      </p:sp>
+      <p:sp>
+        <p:nvSpPr>
+          <p:cNvPr id="30" name="Textfeld 29">
+            <a:extLst>
+              <a:ext uri="{FF2B5EF4-FFF2-40B4-BE49-F238E27FC236}">
+                <a16:creationId xmlns:a16="http://schemas.microsoft.com/office/drawing/2014/main" id="{73FCE7D0-5752-4BBD-9A06-68BF9FE17B79}"/>
+              </a:ext>
+            </a:extLst>
+          </p:cNvPr>
+          <p:cNvSpPr txBox="1"/>
+          <p:nvPr/>
+        </p:nvSpPr>
+        <p:spPr>
+          <a:xfrm>
+            <a:off x="8082216" y="4861533"/>
+            <a:ext cx="1660746" cy="430887"/>
+          </a:xfrm>
+          <a:prstGeom prst="rect">
+            <a:avLst/>
+          </a:prstGeom>
+          <a:noFill/>
+        </p:spPr>
+        <p:txBody>
+          <a:bodyPr wrap="square" rtlCol="0">
+            <a:spAutoFit/>
+          </a:bodyPr>
+          <a:lstStyle/>
+          <a:p>
+            <a:r>
+              <a:rPr lang="de-DE" sz="1100" dirty="0" err="1"/>
+              <a:t>CosmosDB</a:t>
+            </a:r>
+            <a:r>
+              <a:rPr lang="de-DE" sz="1100" dirty="0"/>
+              <a:t> </a:t>
+            </a:r>
+            <a:r>
+              <a:rPr lang="de-DE" sz="1100" dirty="0" err="1"/>
+              <a:t>to</a:t>
+            </a:r>
+            <a:r>
+              <a:rPr lang="de-DE" sz="1100" dirty="0"/>
+              <a:t> </a:t>
+            </a:r>
+            <a:r>
+              <a:rPr lang="de-DE" sz="1100" dirty="0" err="1"/>
+              <a:t>PowerBI</a:t>
+            </a:r>
+            <a:r>
+              <a:rPr lang="de-DE" sz="1100" dirty="0"/>
+              <a:t>:</a:t>
+            </a:r>
+          </a:p>
+          <a:p>
+            <a:r>
+              <a:rPr lang="de-DE" sz="1100" dirty="0"/>
+              <a:t>-JSON </a:t>
+            </a:r>
+            <a:r>
+              <a:rPr lang="de-DE" sz="1100" dirty="0" err="1"/>
+              <a:t>Telemetry</a:t>
+            </a:r>
+            <a:r>
+              <a:rPr lang="de-DE" sz="1100" dirty="0"/>
+              <a:t> Data</a:t>
             </a:r>
           </a:p>
         </p:txBody>
@@ -5212,21 +5473,6 @@
 </file>
 
 <file path=customXml/item1.xml><?xml version="1.0" encoding="utf-8"?>
-<p:properties xmlns:p="http://schemas.microsoft.com/office/2006/metadata/properties" xmlns:xsi="http://www.w3.org/2001/XMLSchema-instance" xmlns:pc="http://schemas.microsoft.com/office/infopath/2007/PartnerControls">
-  <documentManagement/>
-</p:properties>
-</file>
-
-<file path=customXml/item2.xml><?xml version="1.0" encoding="utf-8"?>
-<?mso-contentType ?>
-<FormTemplates xmlns="http://schemas.microsoft.com/sharepoint/v3/contenttype/forms">
-  <Display>DocumentLibraryForm</Display>
-  <Edit>DocumentLibraryForm</Edit>
-  <New>DocumentLibraryForm</New>
-</FormTemplates>
-</file>
-
-<file path=customXml/item3.xml><?xml version="1.0" encoding="utf-8"?>
 <ct:contentTypeSchema xmlns:ct="http://schemas.microsoft.com/office/2006/metadata/contentType" xmlns:ma="http://schemas.microsoft.com/office/2006/metadata/properties/metaAttributes" ct:_="" ma:_="" ma:contentTypeName="Dokument" ma:contentTypeID="0x010100BBF6283439761D40B08F0056DCBA17E1" ma:contentTypeVersion="10" ma:contentTypeDescription="Ein neues Dokument erstellen." ma:contentTypeScope="" ma:versionID="84315e637acd372a4abaca7409a563f9">
   <xsd:schema xmlns:xsd="http://www.w3.org/2001/XMLSchema" xmlns:xs="http://www.w3.org/2001/XMLSchema" xmlns:p="http://schemas.microsoft.com/office/2006/metadata/properties" xmlns:ns3="f1ee7342-aed9-4999-8b8d-f837fb8a41e6" xmlns:ns4="6c4d21e3-ba61-4b04-912a-c06101706d07" targetNamespace="http://schemas.microsoft.com/office/2006/metadata/properties" ma:root="true" ma:fieldsID="18efee6b7fd408f65f4b8919536c0105" ns3:_="" ns4:_="">
     <xsd:import namespace="f1ee7342-aed9-4999-8b8d-f837fb8a41e6"/>
@@ -5429,24 +5675,22 @@
 </ct:contentTypeSchema>
 </file>
 
-<file path=customXml/itemProps1.xml><?xml version="1.0" encoding="utf-8"?>
-<ds:datastoreItem xmlns:ds="http://schemas.openxmlformats.org/officeDocument/2006/customXml" ds:itemID="{AF996A32-76DC-48C7-B141-E3E0E8D9FF75}">
-  <ds:schemaRefs>
-    <ds:schemaRef ds:uri="http://schemas.microsoft.com/office/2006/metadata/properties"/>
-    <ds:schemaRef ds:uri="http://schemas.microsoft.com/office/infopath/2007/PartnerControls"/>
-  </ds:schemaRefs>
-</ds:datastoreItem>
+<file path=customXml/item2.xml><?xml version="1.0" encoding="utf-8"?>
+<?mso-contentType ?>
+<FormTemplates xmlns="http://schemas.microsoft.com/sharepoint/v3/contenttype/forms">
+  <Display>DocumentLibraryForm</Display>
+  <Edit>DocumentLibraryForm</Edit>
+  <New>DocumentLibraryForm</New>
+</FormTemplates>
 </file>
 
-<file path=customXml/itemProps2.xml><?xml version="1.0" encoding="utf-8"?>
-<ds:datastoreItem xmlns:ds="http://schemas.openxmlformats.org/officeDocument/2006/customXml" ds:itemID="{D75608A3-82DB-4A0D-A871-646B23517B11}">
-  <ds:schemaRefs>
-    <ds:schemaRef ds:uri="http://schemas.microsoft.com/sharepoint/v3/contenttype/forms"/>
-  </ds:schemaRefs>
-</ds:datastoreItem>
+<file path=customXml/item3.xml><?xml version="1.0" encoding="utf-8"?>
+<p:properties xmlns:p="http://schemas.microsoft.com/office/2006/metadata/properties" xmlns:xsi="http://www.w3.org/2001/XMLSchema-instance" xmlns:pc="http://schemas.microsoft.com/office/infopath/2007/PartnerControls">
+  <documentManagement/>
+</p:properties>
 </file>
 
-<file path=customXml/itemProps3.xml><?xml version="1.0" encoding="utf-8"?>
+<file path=customXml/itemProps1.xml><?xml version="1.0" encoding="utf-8"?>
 <ds:datastoreItem xmlns:ds="http://schemas.openxmlformats.org/officeDocument/2006/customXml" ds:itemID="{73E1EB8D-ED6C-46BF-9FD7-670825C9DFC2}">
   <ds:schemaRefs>
     <ds:schemaRef ds:uri="http://schemas.microsoft.com/office/2006/metadata/contentType"/>
@@ -5463,4 +5707,21 @@
     <ds:schemaRef ds:uri="http://schemas.microsoft.com/internal/obd"/>
   </ds:schemaRefs>
 </ds:datastoreItem>
+</file>
+
+<file path=customXml/itemProps2.xml><?xml version="1.0" encoding="utf-8"?>
+<ds:datastoreItem xmlns:ds="http://schemas.openxmlformats.org/officeDocument/2006/customXml" ds:itemID="{D75608A3-82DB-4A0D-A871-646B23517B11}">
+  <ds:schemaRefs>
+    <ds:schemaRef ds:uri="http://schemas.microsoft.com/sharepoint/v3/contenttype/forms"/>
+  </ds:schemaRefs>
+</ds:datastoreItem>
+</file>
+
+<file path=customXml/itemProps3.xml><?xml version="1.0" encoding="utf-8"?>
+<ds:datastoreItem xmlns:ds="http://schemas.openxmlformats.org/officeDocument/2006/customXml" ds:itemID="{AF996A32-76DC-48C7-B141-E3E0E8D9FF75}">
+  <ds:schemaRefs>
+    <ds:schemaRef ds:uri="http://schemas.microsoft.com/office/2006/metadata/properties"/>
+    <ds:schemaRef ds:uri="http://schemas.microsoft.com/office/infopath/2007/PartnerControls"/>
+  </ds:schemaRefs>
+</ds:datastoreItem>
 </file>